--- a/TyreekDraft.pptx
+++ b/TyreekDraft.pptx
@@ -165,15 +165,6 @@
 </p:presentation>
 </file>
 
-<file path=ppt/revisionInfo.xml><?xml version="1.0" encoding="utf-8"?>
-<p1510:revInfo xmlns:a="http://schemas.openxmlformats.org/drawingml/2006/main" xmlns:r="http://schemas.openxmlformats.org/officeDocument/2006/relationships" xmlns:p1510="http://schemas.microsoft.com/office/powerpoint/2015/10/main">
-  <p1510:revLst>
-    <p1510:client id="{673C61D2-EEB5-4078-B08F-269A01C99E14}" v="535" dt="2024-05-03T19:27:34.954"/>
-    <p1510:client id="{6AC9D3D4-FCB6-489E-B39D-1D5B070B6C2B}" v="2418" dt="2024-05-02T21:50:55.203"/>
-  </p1510:revLst>
-</p1510:revInfo>
-</file>
-
 <file path=ppt/changesInfos/changesInfo1.xml><?xml version="1.0" encoding="utf-8"?>
 <pc:chgInfo xmlns:a="http://schemas.openxmlformats.org/drawingml/2006/main" xmlns:r="http://schemas.openxmlformats.org/officeDocument/2006/relationships" xmlns:ac="http://schemas.microsoft.com/office/drawing/2013/main/command" xmlns:pc="http://schemas.microsoft.com/office/powerpoint/2013/main/command">
   <pc:docChgLst>
@@ -334,6 +325,38 @@
             <pc:docMk/>
             <pc:sldMk cId="1988885338" sldId="345"/>
             <ac:spMk id="6" creationId="{97D0CC2A-521F-CFB3-012C-B89C6621C6F0}"/>
+          </ac:spMkLst>
+        </pc:spChg>
+      </pc:sldChg>
+    </pc:docChg>
+  </pc:docChgLst>
+  <pc:docChgLst>
+    <pc:chgData name="Alexander, Tyreek" userId="501609b0-e01d-49ae-8f9a-417d89b4d245" providerId="ADAL" clId="{8E59D4EA-F2C2-4F8D-967A-DFABB1EC4AB1}"/>
+    <pc:docChg chg="modSld">
+      <pc:chgData name="Alexander, Tyreek" userId="501609b0-e01d-49ae-8f9a-417d89b4d245" providerId="ADAL" clId="{8E59D4EA-F2C2-4F8D-967A-DFABB1EC4AB1}" dt="2024-07-14T20:46:13.398" v="3" actId="20577"/>
+      <pc:docMkLst>
+        <pc:docMk/>
+      </pc:docMkLst>
+      <pc:sldChg chg="modSp mod">
+        <pc:chgData name="Alexander, Tyreek" userId="501609b0-e01d-49ae-8f9a-417d89b4d245" providerId="ADAL" clId="{8E59D4EA-F2C2-4F8D-967A-DFABB1EC4AB1}" dt="2024-07-14T20:46:13.398" v="3" actId="20577"/>
+        <pc:sldMkLst>
+          <pc:docMk/>
+          <pc:sldMk cId="0" sldId="262"/>
+        </pc:sldMkLst>
+        <pc:spChg chg="mod">
+          <ac:chgData name="Alexander, Tyreek" userId="501609b0-e01d-49ae-8f9a-417d89b4d245" providerId="ADAL" clId="{8E59D4EA-F2C2-4F8D-967A-DFABB1EC4AB1}" dt="2024-07-14T20:46:13.398" v="3" actId="20577"/>
+          <ac:spMkLst>
+            <pc:docMk/>
+            <pc:sldMk cId="0" sldId="262"/>
+            <ac:spMk id="16386" creationId="{00000000-0000-0000-0000-000000000000}"/>
+          </ac:spMkLst>
+        </pc:spChg>
+        <pc:spChg chg="mod">
+          <ac:chgData name="Alexander, Tyreek" userId="501609b0-e01d-49ae-8f9a-417d89b4d245" providerId="ADAL" clId="{8E59D4EA-F2C2-4F8D-967A-DFABB1EC4AB1}" dt="2024-07-14T20:46:04.391" v="0" actId="20577"/>
+          <ac:spMkLst>
+            <pc:docMk/>
+            <pc:sldMk cId="0" sldId="262"/>
+            <ac:spMk id="16387" creationId="{00000000-0000-0000-0000-000000000000}"/>
           </ac:spMkLst>
         </pc:spChg>
       </pc:sldChg>
@@ -648,7 +671,7 @@
           <a:p>
             <a:fld id="{9D25E66D-A69D-4EA0-A776-99EF5D295ADC}" type="datetimeFigureOut">
               <a:rPr lang="en-US" smtClean="0"/>
-              <a:t>5/3/2024</a:t>
+              <a:t>7/14/2024</a:t>
             </a:fld>
             <a:endParaRPr lang="en-US"/>
           </a:p>
@@ -7308,14 +7331,14 @@
           <a:effectLst/>
           <a:extLst>
             <a:ext uri="{909E8E84-426E-40dd-AFC4-6F175D3DCCD1}">
-              <a14:hiddenFill xmlns="" xmlns:a14="http://schemas.microsoft.com/office/drawing/2010/main">
+              <a14:hiddenFill xmlns:a14="http://schemas.microsoft.com/office/drawing/2010/main" xmlns="">
                 <a:solidFill>
                   <a:schemeClr val="accent1"/>
                 </a:solidFill>
               </a14:hiddenFill>
             </a:ext>
             <a:ext uri="{91240B29-F687-4f45-9708-019B960494DF}">
-              <a14:hiddenLine xmlns="" xmlns:a14="http://schemas.microsoft.com/office/drawing/2010/main" w="9525">
+              <a14:hiddenLine xmlns:a14="http://schemas.microsoft.com/office/drawing/2010/main" xmlns="" w="9525">
                 <a:solidFill>
                   <a:schemeClr val="tx1"/>
                 </a:solidFill>
@@ -7325,7 +7348,7 @@
               </a14:hiddenLine>
             </a:ext>
             <a:ext uri="{AF507438-7753-43e0-B8FC-AC1667EBCBE1}">
-              <a14:hiddenEffects xmlns="" xmlns:a14="http://schemas.microsoft.com/office/drawing/2010/main">
+              <a14:hiddenEffects xmlns:a14="http://schemas.microsoft.com/office/drawing/2010/main" xmlns="">
                 <a:effectLst>
                   <a:outerShdw blurRad="63500" dist="38099" dir="2700000" algn="ctr" rotWithShape="0">
                     <a:schemeClr val="bg2">
@@ -7336,7 +7359,7 @@
               </a14:hiddenEffects>
             </a:ext>
             <a:ext uri="{FAA26D3D-D897-4be2-8F04-BA451C77F1D7}">
-              <ma14:placeholderFlag xmlns="" xmlns:ma14="http://schemas.microsoft.com/office/mac/drawingml/2011/main" val="1"/>
+              <ma14:placeholderFlag xmlns:ma14="http://schemas.microsoft.com/office/mac/drawingml/2011/main" xmlns="" val="1"/>
             </a:ext>
           </a:extLst>
         </p:spPr>
@@ -7381,14 +7404,14 @@
           <a:effectLst/>
           <a:extLst>
             <a:ext uri="{909E8E84-426E-40dd-AFC4-6F175D3DCCD1}">
-              <a14:hiddenFill xmlns="" xmlns:a14="http://schemas.microsoft.com/office/drawing/2010/main">
+              <a14:hiddenFill xmlns:a14="http://schemas.microsoft.com/office/drawing/2010/main" xmlns="">
                 <a:solidFill>
                   <a:schemeClr val="accent1"/>
                 </a:solidFill>
               </a14:hiddenFill>
             </a:ext>
             <a:ext uri="{91240B29-F687-4f45-9708-019B960494DF}">
-              <a14:hiddenLine xmlns="" xmlns:a14="http://schemas.microsoft.com/office/drawing/2010/main" w="9525">
+              <a14:hiddenLine xmlns:a14="http://schemas.microsoft.com/office/drawing/2010/main" xmlns="" w="9525">
                 <a:solidFill>
                   <a:schemeClr val="tx1"/>
                 </a:solidFill>
@@ -7398,7 +7421,7 @@
               </a14:hiddenLine>
             </a:ext>
             <a:ext uri="{AF507438-7753-43e0-B8FC-AC1667EBCBE1}">
-              <a14:hiddenEffects xmlns="" xmlns:a14="http://schemas.microsoft.com/office/drawing/2010/main">
+              <a14:hiddenEffects xmlns:a14="http://schemas.microsoft.com/office/drawing/2010/main" xmlns="">
                 <a:effectLst>
                   <a:outerShdw blurRad="63500" dist="38099" dir="2700000" algn="ctr" rotWithShape="0">
                     <a:schemeClr val="bg2">
@@ -7409,7 +7432,7 @@
               </a14:hiddenEffects>
             </a:ext>
             <a:ext uri="{FAA26D3D-D897-4be2-8F04-BA451C77F1D7}">
-              <ma14:placeholderFlag xmlns="" xmlns:ma14="http://schemas.microsoft.com/office/mac/drawingml/2011/main" val="1"/>
+              <ma14:placeholderFlag xmlns:ma14="http://schemas.microsoft.com/office/mac/drawingml/2011/main" xmlns="" val="1"/>
             </a:ext>
           </a:extLst>
         </p:spPr>
@@ -7992,14 +8015,14 @@
           <a:effectLst/>
           <a:extLst>
             <a:ext uri="{909E8E84-426E-40dd-AFC4-6F175D3DCCD1}">
-              <a14:hiddenFill xmlns="" xmlns:a14="http://schemas.microsoft.com/office/drawing/2010/main">
+              <a14:hiddenFill xmlns:a14="http://schemas.microsoft.com/office/drawing/2010/main" xmlns="">
                 <a:solidFill>
                   <a:schemeClr val="accent1"/>
                 </a:solidFill>
               </a14:hiddenFill>
             </a:ext>
             <a:ext uri="{91240B29-F687-4f45-9708-019B960494DF}">
-              <a14:hiddenLine xmlns="" xmlns:a14="http://schemas.microsoft.com/office/drawing/2010/main" w="9525">
+              <a14:hiddenLine xmlns:a14="http://schemas.microsoft.com/office/drawing/2010/main" xmlns="" w="9525">
                 <a:solidFill>
                   <a:schemeClr val="tx1"/>
                 </a:solidFill>
@@ -8009,7 +8032,7 @@
               </a14:hiddenLine>
             </a:ext>
             <a:ext uri="{AF507438-7753-43e0-B8FC-AC1667EBCBE1}">
-              <a14:hiddenEffects xmlns="" xmlns:a14="http://schemas.microsoft.com/office/drawing/2010/main">
+              <a14:hiddenEffects xmlns:a14="http://schemas.microsoft.com/office/drawing/2010/main" xmlns="">
                 <a:effectLst>
                   <a:outerShdw blurRad="63500" dist="38099" dir="2700000" algn="ctr" rotWithShape="0">
                     <a:schemeClr val="bg2">
@@ -8020,7 +8043,7 @@
               </a14:hiddenEffects>
             </a:ext>
             <a:ext uri="{FAA26D3D-D897-4be2-8F04-BA451C77F1D7}">
-              <ma14:placeholderFlag xmlns="" xmlns:ma14="http://schemas.microsoft.com/office/mac/drawingml/2011/main" val="1"/>
+              <ma14:placeholderFlag xmlns:ma14="http://schemas.microsoft.com/office/mac/drawingml/2011/main" xmlns="" val="1"/>
             </a:ext>
           </a:extLst>
         </p:spPr>
@@ -8065,14 +8088,14 @@
           <a:effectLst/>
           <a:extLst>
             <a:ext uri="{909E8E84-426E-40dd-AFC4-6F175D3DCCD1}">
-              <a14:hiddenFill xmlns="" xmlns:a14="http://schemas.microsoft.com/office/drawing/2010/main">
+              <a14:hiddenFill xmlns:a14="http://schemas.microsoft.com/office/drawing/2010/main" xmlns="">
                 <a:solidFill>
                   <a:schemeClr val="accent1"/>
                 </a:solidFill>
               </a14:hiddenFill>
             </a:ext>
             <a:ext uri="{91240B29-F687-4f45-9708-019B960494DF}">
-              <a14:hiddenLine xmlns="" xmlns:a14="http://schemas.microsoft.com/office/drawing/2010/main" w="9525">
+              <a14:hiddenLine xmlns:a14="http://schemas.microsoft.com/office/drawing/2010/main" xmlns="" w="9525">
                 <a:solidFill>
                   <a:schemeClr val="tx1"/>
                 </a:solidFill>
@@ -8082,7 +8105,7 @@
               </a14:hiddenLine>
             </a:ext>
             <a:ext uri="{AF507438-7753-43e0-B8FC-AC1667EBCBE1}">
-              <a14:hiddenEffects xmlns="" xmlns:a14="http://schemas.microsoft.com/office/drawing/2010/main">
+              <a14:hiddenEffects xmlns:a14="http://schemas.microsoft.com/office/drawing/2010/main" xmlns="">
                 <a:effectLst>
                   <a:outerShdw blurRad="63500" dist="38099" dir="2700000" algn="ctr" rotWithShape="0">
                     <a:schemeClr val="bg2">
@@ -8093,7 +8116,7 @@
               </a14:hiddenEffects>
             </a:ext>
             <a:ext uri="{FAA26D3D-D897-4be2-8F04-BA451C77F1D7}">
-              <ma14:placeholderFlag xmlns="" xmlns:ma14="http://schemas.microsoft.com/office/mac/drawingml/2011/main" val="1"/>
+              <ma14:placeholderFlag xmlns:ma14="http://schemas.microsoft.com/office/mac/drawingml/2011/main" xmlns="" val="1"/>
             </a:ext>
           </a:extLst>
         </p:spPr>
@@ -8647,14 +8670,14 @@
           <a:effectLst/>
           <a:extLst>
             <a:ext uri="{909E8E84-426E-40dd-AFC4-6F175D3DCCD1}">
-              <a14:hiddenFill xmlns="" xmlns:a14="http://schemas.microsoft.com/office/drawing/2010/main">
+              <a14:hiddenFill xmlns:a14="http://schemas.microsoft.com/office/drawing/2010/main" xmlns="">
                 <a:solidFill>
                   <a:schemeClr val="accent1"/>
                 </a:solidFill>
               </a14:hiddenFill>
             </a:ext>
             <a:ext uri="{91240B29-F687-4f45-9708-019B960494DF}">
-              <a14:hiddenLine xmlns="" xmlns:a14="http://schemas.microsoft.com/office/drawing/2010/main" w="9525">
+              <a14:hiddenLine xmlns:a14="http://schemas.microsoft.com/office/drawing/2010/main" xmlns="" w="9525">
                 <a:solidFill>
                   <a:schemeClr val="tx1"/>
                 </a:solidFill>
@@ -8664,7 +8687,7 @@
               </a14:hiddenLine>
             </a:ext>
             <a:ext uri="{AF507438-7753-43e0-B8FC-AC1667EBCBE1}">
-              <a14:hiddenEffects xmlns="" xmlns:a14="http://schemas.microsoft.com/office/drawing/2010/main">
+              <a14:hiddenEffects xmlns:a14="http://schemas.microsoft.com/office/drawing/2010/main" xmlns="">
                 <a:effectLst>
                   <a:outerShdw blurRad="63500" dist="38099" dir="2700000" algn="ctr" rotWithShape="0">
                     <a:schemeClr val="bg2">
@@ -8675,7 +8698,7 @@
               </a14:hiddenEffects>
             </a:ext>
             <a:ext uri="{FAA26D3D-D897-4be2-8F04-BA451C77F1D7}">
-              <ma14:placeholderFlag xmlns="" xmlns:ma14="http://schemas.microsoft.com/office/mac/drawingml/2011/main" val="1"/>
+              <ma14:placeholderFlag xmlns:ma14="http://schemas.microsoft.com/office/mac/drawingml/2011/main" xmlns="" val="1"/>
             </a:ext>
           </a:extLst>
         </p:spPr>
@@ -9358,14 +9381,14 @@
           </a:xfrm>
           <a:extLst>
             <a:ext uri="{909E8E84-426E-40dd-AFC4-6F175D3DCCD1}">
-              <a14:hiddenFill xmlns="" xmlns:a14="http://schemas.microsoft.com/office/drawing/2010/main">
+              <a14:hiddenFill xmlns:a14="http://schemas.microsoft.com/office/drawing/2010/main" xmlns="">
                 <a:solidFill>
                   <a:schemeClr val="accent1"/>
                 </a:solidFill>
               </a14:hiddenFill>
             </a:ext>
             <a:ext uri="{91240B29-F687-4f45-9708-019B960494DF}">
-              <a14:hiddenLine xmlns="" xmlns:a14="http://schemas.microsoft.com/office/drawing/2010/main" w="9525">
+              <a14:hiddenLine xmlns:a14="http://schemas.microsoft.com/office/drawing/2010/main" xmlns="" w="9525">
                 <a:solidFill>
                   <a:schemeClr val="tx1"/>
                 </a:solidFill>
@@ -9375,7 +9398,7 @@
               </a14:hiddenLine>
             </a:ext>
             <a:ext uri="{AF507438-7753-43e0-B8FC-AC1667EBCBE1}">
-              <a14:hiddenEffects xmlns="" xmlns:a14="http://schemas.microsoft.com/office/drawing/2010/main">
+              <a14:hiddenEffects xmlns:a14="http://schemas.microsoft.com/office/drawing/2010/main" xmlns="">
                 <a:effectLst>
                   <a:outerShdw blurRad="63500" dist="38099" dir="2700000" algn="ctr" rotWithShape="0">
                     <a:schemeClr val="bg2">
@@ -9386,28 +9409,13 @@
               </a14:hiddenEffects>
             </a:ext>
             <a:ext uri="{FAA26D3D-D897-4be2-8F04-BA451C77F1D7}">
-              <ma14:placeholderFlag xmlns="" xmlns:ma14="http://schemas.microsoft.com/office/mac/drawingml/2011/main" val="1"/>
+              <ma14:placeholderFlag xmlns:ma14="http://schemas.microsoft.com/office/mac/drawingml/2011/main" xmlns="" val="1"/>
             </a:ext>
           </a:extLst>
         </p:spPr>
         <p:txBody>
           <a:bodyPr/>
           <a:lstStyle/>
-          <a:p>
-            <a:pPr marL="0" indent="0" eaLnBrk="1" hangingPunct="1"/>
-            <a:r>
-              <a:rPr lang="en-US" sz="2000" b="1" dirty="0"/>
-              <a:t>Saif Al-Wahaibi</a:t>
-            </a:r>
-            <a:endParaRPr lang="en-US" altLang="ja-JP" sz="2000" dirty="0"/>
-          </a:p>
-          <a:p>
-            <a:pPr marL="0" indent="0" eaLnBrk="1" hangingPunct="1"/>
-            <a:r>
-              <a:rPr lang="en-US" sz="1800" i="1" dirty="0"/>
-              <a:t>Ph.D. Candidate</a:t>
-            </a:r>
-          </a:p>
           <a:p>
             <a:pPr marL="0" indent="0" eaLnBrk="1" hangingPunct="1"/>
             <a:r>
@@ -9470,14 +9478,14 @@
           <a:noFill/>
           <a:extLst>
             <a:ext uri="{909E8E84-426E-40dd-AFC4-6F175D3DCCD1}">
-              <a14:hiddenFill xmlns="" xmlns:a14="http://schemas.microsoft.com/office/drawing/2010/main">
+              <a14:hiddenFill xmlns:a14="http://schemas.microsoft.com/office/drawing/2010/main" xmlns="">
                 <a:solidFill>
                   <a:schemeClr val="accent1"/>
                 </a:solidFill>
               </a14:hiddenFill>
             </a:ext>
             <a:ext uri="{91240B29-F687-4f45-9708-019B960494DF}">
-              <a14:hiddenLine xmlns="" xmlns:a14="http://schemas.microsoft.com/office/drawing/2010/main" w="9525">
+              <a14:hiddenLine xmlns:a14="http://schemas.microsoft.com/office/drawing/2010/main" xmlns="" w="9525">
                 <a:solidFill>
                   <a:schemeClr val="tx1"/>
                 </a:solidFill>
@@ -9487,7 +9495,7 @@
               </a14:hiddenLine>
             </a:ext>
             <a:ext uri="{AF507438-7753-43e0-B8FC-AC1667EBCBE1}">
-              <a14:hiddenEffects xmlns="" xmlns:a14="http://schemas.microsoft.com/office/drawing/2010/main">
+              <a14:hiddenEffects xmlns:a14="http://schemas.microsoft.com/office/drawing/2010/main" xmlns="">
                 <a:effectLst>
                   <a:outerShdw blurRad="63500" dist="38099" dir="2700000" algn="ctr" rotWithShape="0">
                     <a:schemeClr val="bg2">
@@ -9498,7 +9506,7 @@
               </a14:hiddenEffects>
             </a:ext>
             <a:ext uri="{FAA26D3D-D897-4be2-8F04-BA451C77F1D7}">
-              <ma14:placeholderFlag xmlns="" xmlns:ma14="http://schemas.microsoft.com/office/mac/drawingml/2011/main" val="1"/>
+              <ma14:placeholderFlag xmlns:ma14="http://schemas.microsoft.com/office/mac/drawingml/2011/main" xmlns="" val="1"/>
             </a:ext>
           </a:extLst>
         </p:spPr>
@@ -9513,7 +9521,7 @@
               <a:rPr lang="en-US" sz="3600" dirty="0">
                 <a:cs typeface="+mj-cs"/>
               </a:rPr>
-              <a:t>Project V: Multi-Dimensional Scaling, Isometric Mapping, and Kernal Principal Component Analysis</a:t>
+              <a:t>Kernel Principal Component Analysis</a:t>
             </a:r>
             <a:endParaRPr lang="en-US" sz="1600" dirty="0">
               <a:cs typeface="+mj-cs"/>
@@ -9736,14 +9744,14 @@
           <a:effectLst/>
           <a:extLst>
             <a:ext uri="{909E8E84-426E-40dd-AFC4-6F175D3DCCD1}">
-              <a14:hiddenFill xmlns="" xmlns:a14="http://schemas.microsoft.com/office/drawing/2010/main" xmlns:mc="http://schemas.openxmlformats.org/markup-compatibility/2006">
+              <a14:hiddenFill xmlns:mc="http://schemas.openxmlformats.org/markup-compatibility/2006" xmlns:a14="http://schemas.microsoft.com/office/drawing/2010/main" xmlns="">
                 <a:solidFill>
                   <a:schemeClr val="accent1"/>
                 </a:solidFill>
               </a14:hiddenFill>
             </a:ext>
             <a:ext uri="{91240B29-F687-4f45-9708-019B960494DF}">
-              <a14:hiddenLine xmlns="" xmlns:a14="http://schemas.microsoft.com/office/drawing/2010/main" xmlns:mc="http://schemas.openxmlformats.org/markup-compatibility/2006" w="9525">
+              <a14:hiddenLine xmlns:mc="http://schemas.openxmlformats.org/markup-compatibility/2006" xmlns:a14="http://schemas.microsoft.com/office/drawing/2010/main" xmlns="" w="9525">
                 <a:solidFill>
                   <a:schemeClr val="tx1"/>
                 </a:solidFill>
@@ -9753,7 +9761,7 @@
               </a14:hiddenLine>
             </a:ext>
             <a:ext uri="{AF507438-7753-43e0-B8FC-AC1667EBCBE1}">
-              <a14:hiddenEffects xmlns="" xmlns:a14="http://schemas.microsoft.com/office/drawing/2010/main" xmlns:mc="http://schemas.openxmlformats.org/markup-compatibility/2006">
+              <a14:hiddenEffects xmlns:mc="http://schemas.openxmlformats.org/markup-compatibility/2006" xmlns:a14="http://schemas.microsoft.com/office/drawing/2010/main" xmlns="">
                 <a:effectLst>
                   <a:outerShdw blurRad="63500" dist="38099" dir="2700000" algn="ctr" rotWithShape="0">
                     <a:schemeClr val="bg2">
@@ -9764,7 +9772,7 @@
               </a14:hiddenEffects>
             </a:ext>
             <a:ext uri="{FAA26D3D-D897-4be2-8F04-BA451C77F1D7}">
-              <ma14:placeholderFlag xmlns="" xmlns:ma14="http://schemas.microsoft.com/office/mac/drawingml/2011/main" xmlns:a14="http://schemas.microsoft.com/office/drawing/2010/main" xmlns:mc="http://schemas.openxmlformats.org/markup-compatibility/2006" val="1"/>
+              <ma14:placeholderFlag xmlns:mc="http://schemas.openxmlformats.org/markup-compatibility/2006" xmlns:a14="http://schemas.microsoft.com/office/drawing/2010/main" xmlns:ma14="http://schemas.microsoft.com/office/mac/drawingml/2011/main" xmlns="" val="1"/>
             </a:ext>
           </a:extLst>
         </p:spPr>
@@ -10377,7 +10385,7 @@
                   </a14:hiddenEffects>
                 </a:ext>
                 <a:ext uri="{FAA26D3D-D897-4be2-8F04-BA451C77F1D7}">
-                  <ma14:placeholderFlag xmlns="" xmlns:ma14="http://schemas.microsoft.com/office/mac/drawingml/2011/main" val="1"/>
+                  <ma14:placeholderFlag xmlns:ma14="http://schemas.microsoft.com/office/mac/drawingml/2011/main" xmlns="" val="1"/>
                 </a:ext>
               </a:extLst>
             </p:spPr>
@@ -12818,7 +12826,7 @@
                   </a14:hiddenEffects>
                 </a:ext>
                 <a:ext uri="{FAA26D3D-D897-4be2-8F04-BA451C77F1D7}">
-                  <ma14:placeholderFlag xmlns="" xmlns:ma14="http://schemas.microsoft.com/office/mac/drawingml/2011/main" val="1"/>
+                  <ma14:placeholderFlag xmlns:ma14="http://schemas.microsoft.com/office/mac/drawingml/2011/main" xmlns="" val="1"/>
                 </a:ext>
               </a:extLst>
             </p:spPr>
@@ -15181,7 +15189,7 @@
                   </a14:hiddenEffects>
                 </a:ext>
                 <a:ext uri="{FAA26D3D-D897-4be2-8F04-BA451C77F1D7}">
-                  <ma14:placeholderFlag xmlns="" xmlns:ma14="http://schemas.microsoft.com/office/mac/drawingml/2011/main" val="1"/>
+                  <ma14:placeholderFlag xmlns:ma14="http://schemas.microsoft.com/office/mac/drawingml/2011/main" xmlns="" val="1"/>
                 </a:ext>
               </a:extLst>
             </p:spPr>
@@ -17930,8 +17938,8 @@
           </a:p>
         </p:txBody>
       </p:sp>
-      <mc:AlternateContent xmlns:mc="http://schemas.openxmlformats.org/markup-compatibility/2006">
-        <mc:Choice xmlns:a14="http://schemas.microsoft.com/office/drawing/2010/main" Requires="a14">
+      <mc:AlternateContent xmlns:mc="http://schemas.openxmlformats.org/markup-compatibility/2006" xmlns:a14="http://schemas.microsoft.com/office/drawing/2010/main">
+        <mc:Choice Requires="a14">
           <p:sp>
             <p:nvSpPr>
               <p:cNvPr id="4" name="Rectangle 12">
@@ -17989,7 +17997,7 @@
                   </a14:hiddenEffects>
                 </a:ext>
                 <a:ext uri="{FAA26D3D-D897-4be2-8F04-BA451C77F1D7}">
-                  <ma14:placeholderFlag xmlns="" xmlns:ma14="http://schemas.microsoft.com/office/mac/drawingml/2011/main" val="1"/>
+                  <ma14:placeholderFlag xmlns:ma14="http://schemas.microsoft.com/office/mac/drawingml/2011/main" xmlns="" val="1"/>
                 </a:ext>
               </a:extLst>
             </p:spPr>
@@ -19410,7 +19418,7 @@
             </p:txBody>
           </p:sp>
         </mc:Choice>
-        <mc:Fallback>
+        <mc:Fallback xmlns="">
           <p:sp>
             <p:nvSpPr>
               <p:cNvPr id="4" name="Rectangle 12">
@@ -19661,8 +19669,8 @@
           </a:p>
         </p:txBody>
       </p:sp>
-      <mc:AlternateContent xmlns:mc="http://schemas.openxmlformats.org/markup-compatibility/2006">
-        <mc:Choice xmlns:a14="http://schemas.microsoft.com/office/drawing/2010/main" Requires="a14">
+      <mc:AlternateContent xmlns:mc="http://schemas.openxmlformats.org/markup-compatibility/2006" xmlns:a14="http://schemas.microsoft.com/office/drawing/2010/main">
+        <mc:Choice Requires="a14">
           <p:sp>
             <p:nvSpPr>
               <p:cNvPr id="4" name="Rectangle 12">
@@ -19720,7 +19728,7 @@
                   </a14:hiddenEffects>
                 </a:ext>
                 <a:ext uri="{FAA26D3D-D897-4be2-8F04-BA451C77F1D7}">
-                  <ma14:placeholderFlag xmlns="" xmlns:ma14="http://schemas.microsoft.com/office/mac/drawingml/2011/main" val="1"/>
+                  <ma14:placeholderFlag xmlns:ma14="http://schemas.microsoft.com/office/mac/drawingml/2011/main" xmlns="" val="1"/>
                 </a:ext>
               </a:extLst>
             </p:spPr>
@@ -20578,17 +20586,7 @@
                             <a:latin typeface="Cambria Math" panose="02040503050406030204" pitchFamily="18" charset="0"/>
                             <a:ea typeface="Cambria Math" panose="02040503050406030204" pitchFamily="18" charset="0"/>
                           </a:rPr>
-                          <m:t>−</m:t>
-                        </m:r>
-                        <m:r>
-                          <a:rPr lang="en-US" sz="2000" b="0" i="1" smtClean="0">
-                            <a:solidFill>
-                              <a:prstClr val="black"/>
-                            </a:solidFill>
-                            <a:latin typeface="Cambria Math" panose="02040503050406030204" pitchFamily="18" charset="0"/>
-                            <a:ea typeface="Cambria Math" panose="02040503050406030204" pitchFamily="18" charset="0"/>
-                          </a:rPr>
-                          <m:t>1</m:t>
+                          <m:t>−1</m:t>
                         </m:r>
                       </m:sup>
                     </m:sSup>
@@ -20802,7 +20800,7 @@
             </p:txBody>
           </p:sp>
         </mc:Choice>
-        <mc:Fallback>
+        <mc:Fallback xmlns="">
           <p:sp>
             <p:nvSpPr>
               <p:cNvPr id="4" name="Rectangle 12">
@@ -21082,14 +21080,14 @@
           <a:effectLst/>
           <a:extLst>
             <a:ext uri="{909E8E84-426E-40dd-AFC4-6F175D3DCCD1}">
-              <a14:hiddenFill xmlns="" xmlns:a14="http://schemas.microsoft.com/office/drawing/2010/main" xmlns:mc="http://schemas.openxmlformats.org/markup-compatibility/2006">
+              <a14:hiddenFill xmlns:mc="http://schemas.openxmlformats.org/markup-compatibility/2006" xmlns:a14="http://schemas.microsoft.com/office/drawing/2010/main" xmlns="">
                 <a:solidFill>
                   <a:schemeClr val="accent1"/>
                 </a:solidFill>
               </a14:hiddenFill>
             </a:ext>
             <a:ext uri="{91240B29-F687-4f45-9708-019B960494DF}">
-              <a14:hiddenLine xmlns="" xmlns:a14="http://schemas.microsoft.com/office/drawing/2010/main" xmlns:mc="http://schemas.openxmlformats.org/markup-compatibility/2006" w="9525">
+              <a14:hiddenLine xmlns:mc="http://schemas.openxmlformats.org/markup-compatibility/2006" xmlns:a14="http://schemas.microsoft.com/office/drawing/2010/main" xmlns="" w="9525">
                 <a:solidFill>
                   <a:schemeClr val="tx1"/>
                 </a:solidFill>
@@ -21099,7 +21097,7 @@
               </a14:hiddenLine>
             </a:ext>
             <a:ext uri="{AF507438-7753-43e0-B8FC-AC1667EBCBE1}">
-              <a14:hiddenEffects xmlns="" xmlns:a14="http://schemas.microsoft.com/office/drawing/2010/main" xmlns:mc="http://schemas.openxmlformats.org/markup-compatibility/2006">
+              <a14:hiddenEffects xmlns:mc="http://schemas.openxmlformats.org/markup-compatibility/2006" xmlns:a14="http://schemas.microsoft.com/office/drawing/2010/main" xmlns="">
                 <a:effectLst>
                   <a:outerShdw blurRad="63500" dist="38099" dir="2700000" algn="ctr" rotWithShape="0">
                     <a:schemeClr val="bg2">
@@ -21110,7 +21108,7 @@
               </a14:hiddenEffects>
             </a:ext>
             <a:ext uri="{FAA26D3D-D897-4be2-8F04-BA451C77F1D7}">
-              <ma14:placeholderFlag xmlns="" xmlns:ma14="http://schemas.microsoft.com/office/mac/drawingml/2011/main" xmlns:a14="http://schemas.microsoft.com/office/drawing/2010/main" xmlns:mc="http://schemas.openxmlformats.org/markup-compatibility/2006" val="1"/>
+              <ma14:placeholderFlag xmlns:mc="http://schemas.openxmlformats.org/markup-compatibility/2006" xmlns:a14="http://schemas.microsoft.com/office/drawing/2010/main" xmlns:ma14="http://schemas.microsoft.com/office/mac/drawingml/2011/main" xmlns="" val="1"/>
             </a:ext>
           </a:extLst>
         </p:spPr>
@@ -21391,7 +21389,7 @@
                   </a14:hiddenEffects>
                 </a:ext>
                 <a:ext uri="{FAA26D3D-D897-4be2-8F04-BA451C77F1D7}">
-                  <ma14:placeholderFlag xmlns="" xmlns:ma14="http://schemas.microsoft.com/office/mac/drawingml/2011/main" val="1"/>
+                  <ma14:placeholderFlag xmlns:ma14="http://schemas.microsoft.com/office/mac/drawingml/2011/main" xmlns="" val="1"/>
                 </a:ext>
               </a:extLst>
             </p:spPr>
@@ -24993,6 +24991,23 @@
 </file>
 
 <file path=customXml/item1.xml><?xml version="1.0" encoding="utf-8"?>
+<p:properties xmlns:p="http://schemas.microsoft.com/office/2006/metadata/properties" xmlns:xsi="http://www.w3.org/2001/XMLSchema-instance" xmlns:pc="http://schemas.microsoft.com/office/infopath/2007/PartnerControls">
+  <documentManagement>
+    <_activity xmlns="dc3b59fe-187e-486f-821d-91b825f000d9" xsi:nil="true"/>
+  </documentManagement>
+</p:properties>
+</file>
+
+<file path=customXml/item2.xml><?xml version="1.0" encoding="utf-8"?>
+<?mso-contentType ?>
+<FormTemplates xmlns="http://schemas.microsoft.com/sharepoint/v3/contenttype/forms">
+  <Display>DocumentLibraryForm</Display>
+  <Edit>DocumentLibraryForm</Edit>
+  <New>DocumentLibraryForm</New>
+</FormTemplates>
+</file>
+
+<file path=customXml/item3.xml><?xml version="1.0" encoding="utf-8"?>
 <ct:contentTypeSchema xmlns:ct="http://schemas.microsoft.com/office/2006/metadata/contentType" xmlns:ma="http://schemas.microsoft.com/office/2006/metadata/properties/metaAttributes" ct:_="" ma:_="" ma:contentTypeName="Document" ma:contentTypeID="0x0101000EC28DF4E021D1428C0640BC7C9EA3CE" ma:contentTypeVersion="13" ma:contentTypeDescription="Create a new document." ma:contentTypeScope="" ma:versionID="ec64d9bf8ab33cd44c6452dd4d4aab6c">
   <xsd:schema xmlns:xsd="http://www.w3.org/2001/XMLSchema" xmlns:xs="http://www.w3.org/2001/XMLSchema" xmlns:p="http://schemas.microsoft.com/office/2006/metadata/properties" xmlns:ns3="dc3b59fe-187e-486f-821d-91b825f000d9" xmlns:ns4="ca48f7e7-754a-474c-941c-d9cee670324f" targetNamespace="http://schemas.microsoft.com/office/2006/metadata/properties" ma:root="true" ma:fieldsID="7426a360db862c1cf8a50bbd4d21ec5b" ns3:_="" ns4:_="">
     <xsd:import namespace="dc3b59fe-187e-486f-821d-91b825f000d9"/>
@@ -25213,24 +25228,32 @@
 </ct:contentTypeSchema>
 </file>
 
-<file path=customXml/item2.xml><?xml version="1.0" encoding="utf-8"?>
-<?mso-contentType ?>
-<FormTemplates xmlns="http://schemas.microsoft.com/sharepoint/v3/contenttype/forms">
-  <Display>DocumentLibraryForm</Display>
-  <Edit>DocumentLibraryForm</Edit>
-  <New>DocumentLibraryForm</New>
-</FormTemplates>
+<file path=customXml/itemProps1.xml><?xml version="1.0" encoding="utf-8"?>
+<ds:datastoreItem xmlns:ds="http://schemas.openxmlformats.org/officeDocument/2006/customXml" ds:itemID="{2F362D03-5E66-40A8-AF78-997EC67B121A}">
+  <ds:schemaRefs>
+    <ds:schemaRef ds:uri="http://purl.org/dc/terms/"/>
+    <ds:schemaRef ds:uri="http://www.w3.org/XML/1998/namespace"/>
+    <ds:schemaRef ds:uri="http://purl.org/dc/dcmitype/"/>
+    <ds:schemaRef ds:uri="http://purl.org/dc/elements/1.1/"/>
+    <ds:schemaRef ds:uri="http://schemas.openxmlformats.org/package/2006/metadata/core-properties"/>
+    <ds:schemaRef ds:uri="http://schemas.microsoft.com/office/2006/documentManagement/types"/>
+    <ds:schemaRef ds:uri="ca48f7e7-754a-474c-941c-d9cee670324f"/>
+    <ds:schemaRef ds:uri="http://schemas.microsoft.com/office/infopath/2007/PartnerControls"/>
+    <ds:schemaRef ds:uri="dc3b59fe-187e-486f-821d-91b825f000d9"/>
+    <ds:schemaRef ds:uri="http://schemas.microsoft.com/office/2006/metadata/properties"/>
+  </ds:schemaRefs>
+</ds:datastoreItem>
 </file>
 
-<file path=customXml/item3.xml><?xml version="1.0" encoding="utf-8"?>
-<p:properties xmlns:p="http://schemas.microsoft.com/office/2006/metadata/properties" xmlns:xsi="http://www.w3.org/2001/XMLSchema-instance" xmlns:pc="http://schemas.microsoft.com/office/infopath/2007/PartnerControls">
-  <documentManagement>
-    <_activity xmlns="dc3b59fe-187e-486f-821d-91b825f000d9" xsi:nil="true"/>
-  </documentManagement>
-</p:properties>
+<file path=customXml/itemProps2.xml><?xml version="1.0" encoding="utf-8"?>
+<ds:datastoreItem xmlns:ds="http://schemas.openxmlformats.org/officeDocument/2006/customXml" ds:itemID="{E3BCCD3D-F02A-4838-BF21-EF1BBD354169}">
+  <ds:schemaRefs>
+    <ds:schemaRef ds:uri="http://schemas.microsoft.com/sharepoint/v3/contenttype/forms"/>
+  </ds:schemaRefs>
+</ds:datastoreItem>
 </file>
 
-<file path=customXml/itemProps1.xml><?xml version="1.0" encoding="utf-8"?>
+<file path=customXml/itemProps3.xml><?xml version="1.0" encoding="utf-8"?>
 <ds:datastoreItem xmlns:ds="http://schemas.openxmlformats.org/officeDocument/2006/customXml" ds:itemID="{67D2F95A-D8FC-4853-B218-5329378BB5DE}">
   <ds:schemaRefs>
     <ds:schemaRef ds:uri="http://schemas.microsoft.com/office/2006/metadata/contentType"/>
@@ -25247,29 +25270,4 @@
     <ds:schemaRef ds:uri="http://schemas.microsoft.com/internal/obd"/>
   </ds:schemaRefs>
 </ds:datastoreItem>
-</file>
-
-<file path=customXml/itemProps2.xml><?xml version="1.0" encoding="utf-8"?>
-<ds:datastoreItem xmlns:ds="http://schemas.openxmlformats.org/officeDocument/2006/customXml" ds:itemID="{E3BCCD3D-F02A-4838-BF21-EF1BBD354169}">
-  <ds:schemaRefs>
-    <ds:schemaRef ds:uri="http://schemas.microsoft.com/sharepoint/v3/contenttype/forms"/>
-  </ds:schemaRefs>
-</ds:datastoreItem>
-</file>
-
-<file path=customXml/itemProps3.xml><?xml version="1.0" encoding="utf-8"?>
-<ds:datastoreItem xmlns:ds="http://schemas.openxmlformats.org/officeDocument/2006/customXml" ds:itemID="{2F362D03-5E66-40A8-AF78-997EC67B121A}">
-  <ds:schemaRefs>
-    <ds:schemaRef ds:uri="http://purl.org/dc/terms/"/>
-    <ds:schemaRef ds:uri="http://www.w3.org/XML/1998/namespace"/>
-    <ds:schemaRef ds:uri="http://purl.org/dc/dcmitype/"/>
-    <ds:schemaRef ds:uri="http://purl.org/dc/elements/1.1/"/>
-    <ds:schemaRef ds:uri="http://schemas.openxmlformats.org/package/2006/metadata/core-properties"/>
-    <ds:schemaRef ds:uri="http://schemas.microsoft.com/office/2006/documentManagement/types"/>
-    <ds:schemaRef ds:uri="ca48f7e7-754a-474c-941c-d9cee670324f"/>
-    <ds:schemaRef ds:uri="http://schemas.microsoft.com/office/infopath/2007/PartnerControls"/>
-    <ds:schemaRef ds:uri="dc3b59fe-187e-486f-821d-91b825f000d9"/>
-    <ds:schemaRef ds:uri="http://schemas.microsoft.com/office/2006/metadata/properties"/>
-  </ds:schemaRefs>
-</ds:datastoreItem>
 </file>